--- a/OpacityPowerPointJosephLusoma.pptx
+++ b/OpacityPowerPointJosephLusoma.pptx
@@ -2,7 +2,7 @@
 <file path=ppt/presentation.xml><?xml version="1.0" encoding="utf-8"?>
 <p:presentation xmlns:a="http://schemas.openxmlformats.org/drawingml/2006/main" xmlns:r="http://schemas.openxmlformats.org/officeDocument/2006/relationships" xmlns:p="http://schemas.openxmlformats.org/presentationml/2006/main" saveSubsetFonts="1">
   <p:sldMasterIdLst>
-    <p:sldMasterId id="2147483733" r:id="rId1"/>
+    <p:sldMasterId id="2147483799" r:id="rId1"/>
   </p:sldMasterIdLst>
   <p:sldIdLst>
     <p:sldId id="256" r:id="rId2"/>
@@ -144,7 +144,7 @@
           <p:cNvPr id="2" name="Title 1">
             <a:extLst>
               <a:ext uri="{FF2B5EF4-FFF2-40B4-BE49-F238E27FC236}">
-                <a16:creationId xmlns:a16="http://schemas.microsoft.com/office/drawing/2014/main" id="{C78222E8-E30D-3671-67CD-05E4025483CF}"/>
+                <a16:creationId xmlns:a16="http://schemas.microsoft.com/office/drawing/2014/main" id="{DA95DF4A-6F88-5C02-0672-882C077BAC60}"/>
               </a:ext>
             </a:extLst>
           </p:cNvPr>
@@ -182,7 +182,7 @@
           <p:cNvPr id="3" name="Subtitle 2">
             <a:extLst>
               <a:ext uri="{FF2B5EF4-FFF2-40B4-BE49-F238E27FC236}">
-                <a16:creationId xmlns:a16="http://schemas.microsoft.com/office/drawing/2014/main" id="{06D4F59E-0735-E40F-693B-236B242C1DBC}"/>
+                <a16:creationId xmlns:a16="http://schemas.microsoft.com/office/drawing/2014/main" id="{658F3400-4205-2929-DF72-EE80FFDE200C}"/>
               </a:ext>
             </a:extLst>
           </p:cNvPr>
@@ -253,7 +253,7 @@
           <p:cNvPr id="4" name="Date Placeholder 3">
             <a:extLst>
               <a:ext uri="{FF2B5EF4-FFF2-40B4-BE49-F238E27FC236}">
-                <a16:creationId xmlns:a16="http://schemas.microsoft.com/office/drawing/2014/main" id="{42AC0DDC-C357-6EC2-EEC4-C23265E2AB03}"/>
+                <a16:creationId xmlns:a16="http://schemas.microsoft.com/office/drawing/2014/main" id="{C099C6AF-C85E-EE5C-853E-BEABCC93AD01}"/>
               </a:ext>
             </a:extLst>
           </p:cNvPr>
@@ -271,7 +271,7 @@
           <a:p>
             <a:fld id="{D70B48C1-5FCE-4D67-B5A6-EBC32924EA5B}" type="datetimeFigureOut">
               <a:rPr lang="en-GB" smtClean="0"/>
-              <a:t>17/05/2023</a:t>
+              <a:t>18/05/2023</a:t>
             </a:fld>
             <a:endParaRPr lang="en-GB"/>
           </a:p>
@@ -282,7 +282,7 @@
           <p:cNvPr id="5" name="Footer Placeholder 4">
             <a:extLst>
               <a:ext uri="{FF2B5EF4-FFF2-40B4-BE49-F238E27FC236}">
-                <a16:creationId xmlns:a16="http://schemas.microsoft.com/office/drawing/2014/main" id="{20F9E568-B491-CAE1-CE5A-23D1A438E139}"/>
+                <a16:creationId xmlns:a16="http://schemas.microsoft.com/office/drawing/2014/main" id="{A7694C1D-BB44-7844-0CF1-7B1938DFF84B}"/>
               </a:ext>
             </a:extLst>
           </p:cNvPr>
@@ -307,7 +307,7 @@
           <p:cNvPr id="6" name="Slide Number Placeholder 5">
             <a:extLst>
               <a:ext uri="{FF2B5EF4-FFF2-40B4-BE49-F238E27FC236}">
-                <a16:creationId xmlns:a16="http://schemas.microsoft.com/office/drawing/2014/main" id="{6D6DC8AE-DD07-4D77-80FE-5D8AF748A076}"/>
+                <a16:creationId xmlns:a16="http://schemas.microsoft.com/office/drawing/2014/main" id="{47EDEE26-6542-6508-8246-271E7B78CF0F}"/>
               </a:ext>
             </a:extLst>
           </p:cNvPr>
@@ -334,7 +334,7 @@
     </p:spTree>
     <p:extLst>
       <p:ext uri="{BB962C8B-B14F-4D97-AF65-F5344CB8AC3E}">
-        <p14:creationId xmlns:p14="http://schemas.microsoft.com/office/powerpoint/2010/main" val="4153117956"/>
+        <p14:creationId xmlns:p14="http://schemas.microsoft.com/office/powerpoint/2010/main" val="2562917734"/>
       </p:ext>
     </p:extLst>
   </p:cSld>
@@ -366,7 +366,7 @@
           <p:cNvPr id="2" name="Title 1">
             <a:extLst>
               <a:ext uri="{FF2B5EF4-FFF2-40B4-BE49-F238E27FC236}">
-                <a16:creationId xmlns:a16="http://schemas.microsoft.com/office/drawing/2014/main" id="{89DF7658-E050-B3F5-2FFD-EBB6DBC1B192}"/>
+                <a16:creationId xmlns:a16="http://schemas.microsoft.com/office/drawing/2014/main" id="{EDE3BF3A-00B7-1913-C558-31F9365D99E1}"/>
               </a:ext>
             </a:extLst>
           </p:cNvPr>
@@ -395,7 +395,7 @@
           <p:cNvPr id="3" name="Vertical Text Placeholder 2">
             <a:extLst>
               <a:ext uri="{FF2B5EF4-FFF2-40B4-BE49-F238E27FC236}">
-                <a16:creationId xmlns:a16="http://schemas.microsoft.com/office/drawing/2014/main" id="{9A19AB4A-5265-E4D7-32D7-1E5BDBD457E0}"/>
+                <a16:creationId xmlns:a16="http://schemas.microsoft.com/office/drawing/2014/main" id="{CDF37573-09FF-D933-FB24-6B7CD0D329F2}"/>
               </a:ext>
             </a:extLst>
           </p:cNvPr>
@@ -453,7 +453,7 @@
           <p:cNvPr id="4" name="Date Placeholder 3">
             <a:extLst>
               <a:ext uri="{FF2B5EF4-FFF2-40B4-BE49-F238E27FC236}">
-                <a16:creationId xmlns:a16="http://schemas.microsoft.com/office/drawing/2014/main" id="{84D7AA62-F060-8A6B-C5F0-6EF554ADC382}"/>
+                <a16:creationId xmlns:a16="http://schemas.microsoft.com/office/drawing/2014/main" id="{0AABE6AF-9275-E8E2-525F-D77A643B79D9}"/>
               </a:ext>
             </a:extLst>
           </p:cNvPr>
@@ -471,7 +471,7 @@
           <a:p>
             <a:fld id="{D70B48C1-5FCE-4D67-B5A6-EBC32924EA5B}" type="datetimeFigureOut">
               <a:rPr lang="en-GB" smtClean="0"/>
-              <a:t>17/05/2023</a:t>
+              <a:t>18/05/2023</a:t>
             </a:fld>
             <a:endParaRPr lang="en-GB"/>
           </a:p>
@@ -482,7 +482,7 @@
           <p:cNvPr id="5" name="Footer Placeholder 4">
             <a:extLst>
               <a:ext uri="{FF2B5EF4-FFF2-40B4-BE49-F238E27FC236}">
-                <a16:creationId xmlns:a16="http://schemas.microsoft.com/office/drawing/2014/main" id="{928D23AF-0524-B32C-BA08-2FF778E54877}"/>
+                <a16:creationId xmlns:a16="http://schemas.microsoft.com/office/drawing/2014/main" id="{467CE9C9-A2B4-09E7-0F86-9D2D6DACD8B2}"/>
               </a:ext>
             </a:extLst>
           </p:cNvPr>
@@ -507,7 +507,7 @@
           <p:cNvPr id="6" name="Slide Number Placeholder 5">
             <a:extLst>
               <a:ext uri="{FF2B5EF4-FFF2-40B4-BE49-F238E27FC236}">
-                <a16:creationId xmlns:a16="http://schemas.microsoft.com/office/drawing/2014/main" id="{F590E719-A956-D509-E76C-867E0679C83C}"/>
+                <a16:creationId xmlns:a16="http://schemas.microsoft.com/office/drawing/2014/main" id="{AA2D98AD-23B2-80A0-3C10-33CAB4AB0A80}"/>
               </a:ext>
             </a:extLst>
           </p:cNvPr>
@@ -534,7 +534,7 @@
     </p:spTree>
     <p:extLst>
       <p:ext uri="{BB962C8B-B14F-4D97-AF65-F5344CB8AC3E}">
-        <p14:creationId xmlns:p14="http://schemas.microsoft.com/office/powerpoint/2010/main" val="996254760"/>
+        <p14:creationId xmlns:p14="http://schemas.microsoft.com/office/powerpoint/2010/main" val="1049904416"/>
       </p:ext>
     </p:extLst>
   </p:cSld>
@@ -566,7 +566,7 @@
           <p:cNvPr id="2" name="Vertical Title 1">
             <a:extLst>
               <a:ext uri="{FF2B5EF4-FFF2-40B4-BE49-F238E27FC236}">
-                <a16:creationId xmlns:a16="http://schemas.microsoft.com/office/drawing/2014/main" id="{7A6BD585-0917-AF14-D6DA-84EA774AF177}"/>
+                <a16:creationId xmlns:a16="http://schemas.microsoft.com/office/drawing/2014/main" id="{A347F651-6A5C-CE87-FE53-82B75E33DB07}"/>
               </a:ext>
             </a:extLst>
           </p:cNvPr>
@@ -600,7 +600,7 @@
           <p:cNvPr id="3" name="Vertical Text Placeholder 2">
             <a:extLst>
               <a:ext uri="{FF2B5EF4-FFF2-40B4-BE49-F238E27FC236}">
-                <a16:creationId xmlns:a16="http://schemas.microsoft.com/office/drawing/2014/main" id="{BC3DD5B2-4DCC-7CE0-7036-3F4B926128F9}"/>
+                <a16:creationId xmlns:a16="http://schemas.microsoft.com/office/drawing/2014/main" id="{A62C2B26-F439-4B6F-D301-8E9400BD0ABF}"/>
               </a:ext>
             </a:extLst>
           </p:cNvPr>
@@ -663,7 +663,7 @@
           <p:cNvPr id="4" name="Date Placeholder 3">
             <a:extLst>
               <a:ext uri="{FF2B5EF4-FFF2-40B4-BE49-F238E27FC236}">
-                <a16:creationId xmlns:a16="http://schemas.microsoft.com/office/drawing/2014/main" id="{F5941B3A-71C9-6347-6101-F2A70D1F1D49}"/>
+                <a16:creationId xmlns:a16="http://schemas.microsoft.com/office/drawing/2014/main" id="{ADBEB682-596F-DEBA-AAEF-908D6F19FADD}"/>
               </a:ext>
             </a:extLst>
           </p:cNvPr>
@@ -681,7 +681,7 @@
           <a:p>
             <a:fld id="{D70B48C1-5FCE-4D67-B5A6-EBC32924EA5B}" type="datetimeFigureOut">
               <a:rPr lang="en-GB" smtClean="0"/>
-              <a:t>17/05/2023</a:t>
+              <a:t>18/05/2023</a:t>
             </a:fld>
             <a:endParaRPr lang="en-GB"/>
           </a:p>
@@ -692,7 +692,7 @@
           <p:cNvPr id="5" name="Footer Placeholder 4">
             <a:extLst>
               <a:ext uri="{FF2B5EF4-FFF2-40B4-BE49-F238E27FC236}">
-                <a16:creationId xmlns:a16="http://schemas.microsoft.com/office/drawing/2014/main" id="{4B6D5676-4BEC-123A-EEAC-A114E41741F3}"/>
+                <a16:creationId xmlns:a16="http://schemas.microsoft.com/office/drawing/2014/main" id="{760B1D1E-893E-3237-14AE-AC35C50D68C6}"/>
               </a:ext>
             </a:extLst>
           </p:cNvPr>
@@ -717,7 +717,7 @@
           <p:cNvPr id="6" name="Slide Number Placeholder 5">
             <a:extLst>
               <a:ext uri="{FF2B5EF4-FFF2-40B4-BE49-F238E27FC236}">
-                <a16:creationId xmlns:a16="http://schemas.microsoft.com/office/drawing/2014/main" id="{7C346A98-449F-7021-7BEB-754B6B834CC2}"/>
+                <a16:creationId xmlns:a16="http://schemas.microsoft.com/office/drawing/2014/main" id="{D2D8B480-7AF0-1717-A22A-847D094F4556}"/>
               </a:ext>
             </a:extLst>
           </p:cNvPr>
@@ -744,7 +744,7 @@
     </p:spTree>
     <p:extLst>
       <p:ext uri="{BB962C8B-B14F-4D97-AF65-F5344CB8AC3E}">
-        <p14:creationId xmlns:p14="http://schemas.microsoft.com/office/powerpoint/2010/main" val="241366551"/>
+        <p14:creationId xmlns:p14="http://schemas.microsoft.com/office/powerpoint/2010/main" val="867648052"/>
       </p:ext>
     </p:extLst>
   </p:cSld>
@@ -776,7 +776,7 @@
           <p:cNvPr id="2" name="Title 1">
             <a:extLst>
               <a:ext uri="{FF2B5EF4-FFF2-40B4-BE49-F238E27FC236}">
-                <a16:creationId xmlns:a16="http://schemas.microsoft.com/office/drawing/2014/main" id="{EBFE2FFA-0175-7FA7-C4DF-5F076D299AEE}"/>
+                <a16:creationId xmlns:a16="http://schemas.microsoft.com/office/drawing/2014/main" id="{47897858-08E9-8CB6-78E8-B5CD84030E2F}"/>
               </a:ext>
             </a:extLst>
           </p:cNvPr>
@@ -805,7 +805,7 @@
           <p:cNvPr id="3" name="Content Placeholder 2">
             <a:extLst>
               <a:ext uri="{FF2B5EF4-FFF2-40B4-BE49-F238E27FC236}">
-                <a16:creationId xmlns:a16="http://schemas.microsoft.com/office/drawing/2014/main" id="{01E5BD56-25F8-7E06-4509-670CB2E3E092}"/>
+                <a16:creationId xmlns:a16="http://schemas.microsoft.com/office/drawing/2014/main" id="{F46CC8E1-1000-8D56-1E4E-3E0962E3E1BB}"/>
               </a:ext>
             </a:extLst>
           </p:cNvPr>
@@ -863,7 +863,7 @@
           <p:cNvPr id="4" name="Date Placeholder 3">
             <a:extLst>
               <a:ext uri="{FF2B5EF4-FFF2-40B4-BE49-F238E27FC236}">
-                <a16:creationId xmlns:a16="http://schemas.microsoft.com/office/drawing/2014/main" id="{3E24F3BB-2170-78E2-CF5D-8D2E10AAC059}"/>
+                <a16:creationId xmlns:a16="http://schemas.microsoft.com/office/drawing/2014/main" id="{20BF42E0-4CAC-CE95-8A6F-8C02962234C8}"/>
               </a:ext>
             </a:extLst>
           </p:cNvPr>
@@ -881,7 +881,7 @@
           <a:p>
             <a:fld id="{D70B48C1-5FCE-4D67-B5A6-EBC32924EA5B}" type="datetimeFigureOut">
               <a:rPr lang="en-GB" smtClean="0"/>
-              <a:t>17/05/2023</a:t>
+              <a:t>18/05/2023</a:t>
             </a:fld>
             <a:endParaRPr lang="en-GB"/>
           </a:p>
@@ -892,7 +892,7 @@
           <p:cNvPr id="5" name="Footer Placeholder 4">
             <a:extLst>
               <a:ext uri="{FF2B5EF4-FFF2-40B4-BE49-F238E27FC236}">
-                <a16:creationId xmlns:a16="http://schemas.microsoft.com/office/drawing/2014/main" id="{66B9C279-C370-0732-5C0A-92268D8A2683}"/>
+                <a16:creationId xmlns:a16="http://schemas.microsoft.com/office/drawing/2014/main" id="{FF35D62A-D880-BFDD-C539-3E6814F8D358}"/>
               </a:ext>
             </a:extLst>
           </p:cNvPr>
@@ -917,7 +917,7 @@
           <p:cNvPr id="6" name="Slide Number Placeholder 5">
             <a:extLst>
               <a:ext uri="{FF2B5EF4-FFF2-40B4-BE49-F238E27FC236}">
-                <a16:creationId xmlns:a16="http://schemas.microsoft.com/office/drawing/2014/main" id="{8F5B76B7-BF58-A976-C85B-F0540F69D769}"/>
+                <a16:creationId xmlns:a16="http://schemas.microsoft.com/office/drawing/2014/main" id="{21866F65-F4F6-4561-F39A-C6864D45BF89}"/>
               </a:ext>
             </a:extLst>
           </p:cNvPr>
@@ -944,7 +944,7 @@
     </p:spTree>
     <p:extLst>
       <p:ext uri="{BB962C8B-B14F-4D97-AF65-F5344CB8AC3E}">
-        <p14:creationId xmlns:p14="http://schemas.microsoft.com/office/powerpoint/2010/main" val="671771972"/>
+        <p14:creationId xmlns:p14="http://schemas.microsoft.com/office/powerpoint/2010/main" val="337949429"/>
       </p:ext>
     </p:extLst>
   </p:cSld>
@@ -976,7 +976,7 @@
           <p:cNvPr id="2" name="Title 1">
             <a:extLst>
               <a:ext uri="{FF2B5EF4-FFF2-40B4-BE49-F238E27FC236}">
-                <a16:creationId xmlns:a16="http://schemas.microsoft.com/office/drawing/2014/main" id="{B22F04F4-3D11-5E95-93C5-320C06410352}"/>
+                <a16:creationId xmlns:a16="http://schemas.microsoft.com/office/drawing/2014/main" id="{6CC777FB-789E-5ABE-A119-0F1B2181350B}"/>
               </a:ext>
             </a:extLst>
           </p:cNvPr>
@@ -1014,7 +1014,7 @@
           <p:cNvPr id="3" name="Text Placeholder 2">
             <a:extLst>
               <a:ext uri="{FF2B5EF4-FFF2-40B4-BE49-F238E27FC236}">
-                <a16:creationId xmlns:a16="http://schemas.microsoft.com/office/drawing/2014/main" id="{16876550-63A8-ED04-B44E-9861B3B67E78}"/>
+                <a16:creationId xmlns:a16="http://schemas.microsoft.com/office/drawing/2014/main" id="{0C079A33-5EF6-C356-035F-2A08DD310C9C}"/>
               </a:ext>
             </a:extLst>
           </p:cNvPr>
@@ -1139,7 +1139,7 @@
           <p:cNvPr id="4" name="Date Placeholder 3">
             <a:extLst>
               <a:ext uri="{FF2B5EF4-FFF2-40B4-BE49-F238E27FC236}">
-                <a16:creationId xmlns:a16="http://schemas.microsoft.com/office/drawing/2014/main" id="{27B8B8E7-72D1-CBEB-A650-834A049DFA54}"/>
+                <a16:creationId xmlns:a16="http://schemas.microsoft.com/office/drawing/2014/main" id="{CD0CD3BC-39AD-3728-25B3-78FAE7F61494}"/>
               </a:ext>
             </a:extLst>
           </p:cNvPr>
@@ -1157,7 +1157,7 @@
           <a:p>
             <a:fld id="{D70B48C1-5FCE-4D67-B5A6-EBC32924EA5B}" type="datetimeFigureOut">
               <a:rPr lang="en-GB" smtClean="0"/>
-              <a:t>17/05/2023</a:t>
+              <a:t>18/05/2023</a:t>
             </a:fld>
             <a:endParaRPr lang="en-GB"/>
           </a:p>
@@ -1168,7 +1168,7 @@
           <p:cNvPr id="5" name="Footer Placeholder 4">
             <a:extLst>
               <a:ext uri="{FF2B5EF4-FFF2-40B4-BE49-F238E27FC236}">
-                <a16:creationId xmlns:a16="http://schemas.microsoft.com/office/drawing/2014/main" id="{C6C866AE-FB9B-6E2F-8783-116608E564BC}"/>
+                <a16:creationId xmlns:a16="http://schemas.microsoft.com/office/drawing/2014/main" id="{D7322DA4-8D25-43ED-43F8-69B1396BB8AA}"/>
               </a:ext>
             </a:extLst>
           </p:cNvPr>
@@ -1193,7 +1193,7 @@
           <p:cNvPr id="6" name="Slide Number Placeholder 5">
             <a:extLst>
               <a:ext uri="{FF2B5EF4-FFF2-40B4-BE49-F238E27FC236}">
-                <a16:creationId xmlns:a16="http://schemas.microsoft.com/office/drawing/2014/main" id="{6AB2F965-0624-256D-10F1-EEE1AA289038}"/>
+                <a16:creationId xmlns:a16="http://schemas.microsoft.com/office/drawing/2014/main" id="{013DD62D-BDEA-FE4C-B4B5-9FFDBCCD7B6E}"/>
               </a:ext>
             </a:extLst>
           </p:cNvPr>
@@ -1220,7 +1220,7 @@
     </p:spTree>
     <p:extLst>
       <p:ext uri="{BB962C8B-B14F-4D97-AF65-F5344CB8AC3E}">
-        <p14:creationId xmlns:p14="http://schemas.microsoft.com/office/powerpoint/2010/main" val="3709780791"/>
+        <p14:creationId xmlns:p14="http://schemas.microsoft.com/office/powerpoint/2010/main" val="2803417639"/>
       </p:ext>
     </p:extLst>
   </p:cSld>
@@ -1252,7 +1252,7 @@
           <p:cNvPr id="2" name="Title 1">
             <a:extLst>
               <a:ext uri="{FF2B5EF4-FFF2-40B4-BE49-F238E27FC236}">
-                <a16:creationId xmlns:a16="http://schemas.microsoft.com/office/drawing/2014/main" id="{F3AFD8F0-1E47-318D-DA45-6F1FA98D63F3}"/>
+                <a16:creationId xmlns:a16="http://schemas.microsoft.com/office/drawing/2014/main" id="{4AC0B31C-B4DD-91E4-DE8D-98F96571CCC8}"/>
               </a:ext>
             </a:extLst>
           </p:cNvPr>
@@ -1281,7 +1281,7 @@
           <p:cNvPr id="3" name="Content Placeholder 2">
             <a:extLst>
               <a:ext uri="{FF2B5EF4-FFF2-40B4-BE49-F238E27FC236}">
-                <a16:creationId xmlns:a16="http://schemas.microsoft.com/office/drawing/2014/main" id="{6E538CAF-85C5-EFD7-188C-FB37B9216B47}"/>
+                <a16:creationId xmlns:a16="http://schemas.microsoft.com/office/drawing/2014/main" id="{F07C0FD3-86A7-66E7-74F8-61C168481FB7}"/>
               </a:ext>
             </a:extLst>
           </p:cNvPr>
@@ -1344,7 +1344,7 @@
           <p:cNvPr id="4" name="Content Placeholder 3">
             <a:extLst>
               <a:ext uri="{FF2B5EF4-FFF2-40B4-BE49-F238E27FC236}">
-                <a16:creationId xmlns:a16="http://schemas.microsoft.com/office/drawing/2014/main" id="{D67C0B86-6B39-856F-967C-E24FD1919F15}"/>
+                <a16:creationId xmlns:a16="http://schemas.microsoft.com/office/drawing/2014/main" id="{676688AC-7CB2-6812-891B-5B1813E30190}"/>
               </a:ext>
             </a:extLst>
           </p:cNvPr>
@@ -1407,7 +1407,7 @@
           <p:cNvPr id="5" name="Date Placeholder 4">
             <a:extLst>
               <a:ext uri="{FF2B5EF4-FFF2-40B4-BE49-F238E27FC236}">
-                <a16:creationId xmlns:a16="http://schemas.microsoft.com/office/drawing/2014/main" id="{CF0B1E77-8387-C41A-38F3-37D9630E72F6}"/>
+                <a16:creationId xmlns:a16="http://schemas.microsoft.com/office/drawing/2014/main" id="{2D578B87-8BCC-6EAA-D9A4-5F11DE6A86C4}"/>
               </a:ext>
             </a:extLst>
           </p:cNvPr>
@@ -1425,7 +1425,7 @@
           <a:p>
             <a:fld id="{D70B48C1-5FCE-4D67-B5A6-EBC32924EA5B}" type="datetimeFigureOut">
               <a:rPr lang="en-GB" smtClean="0"/>
-              <a:t>17/05/2023</a:t>
+              <a:t>18/05/2023</a:t>
             </a:fld>
             <a:endParaRPr lang="en-GB"/>
           </a:p>
@@ -1436,7 +1436,7 @@
           <p:cNvPr id="6" name="Footer Placeholder 5">
             <a:extLst>
               <a:ext uri="{FF2B5EF4-FFF2-40B4-BE49-F238E27FC236}">
-                <a16:creationId xmlns:a16="http://schemas.microsoft.com/office/drawing/2014/main" id="{B02B7815-46C4-224A-721C-45DF8DFEFC9B}"/>
+                <a16:creationId xmlns:a16="http://schemas.microsoft.com/office/drawing/2014/main" id="{2A1B2C8F-E6D7-27EA-EB9A-01D05924EE15}"/>
               </a:ext>
             </a:extLst>
           </p:cNvPr>
@@ -1461,7 +1461,7 @@
           <p:cNvPr id="7" name="Slide Number Placeholder 6">
             <a:extLst>
               <a:ext uri="{FF2B5EF4-FFF2-40B4-BE49-F238E27FC236}">
-                <a16:creationId xmlns:a16="http://schemas.microsoft.com/office/drawing/2014/main" id="{5CAB04BE-163A-3548-57EB-B6B681708229}"/>
+                <a16:creationId xmlns:a16="http://schemas.microsoft.com/office/drawing/2014/main" id="{07B106A0-4037-7B52-F609-7373F2404C34}"/>
               </a:ext>
             </a:extLst>
           </p:cNvPr>
@@ -1488,7 +1488,7 @@
     </p:spTree>
     <p:extLst>
       <p:ext uri="{BB962C8B-B14F-4D97-AF65-F5344CB8AC3E}">
-        <p14:creationId xmlns:p14="http://schemas.microsoft.com/office/powerpoint/2010/main" val="1590896602"/>
+        <p14:creationId xmlns:p14="http://schemas.microsoft.com/office/powerpoint/2010/main" val="256168440"/>
       </p:ext>
     </p:extLst>
   </p:cSld>
@@ -1520,7 +1520,7 @@
           <p:cNvPr id="2" name="Title 1">
             <a:extLst>
               <a:ext uri="{FF2B5EF4-FFF2-40B4-BE49-F238E27FC236}">
-                <a16:creationId xmlns:a16="http://schemas.microsoft.com/office/drawing/2014/main" id="{C50DABE3-D8BF-E96D-E2BA-BF67C226B0FC}"/>
+                <a16:creationId xmlns:a16="http://schemas.microsoft.com/office/drawing/2014/main" id="{7B164671-6E08-102F-0018-DE428E1BC2AD}"/>
               </a:ext>
             </a:extLst>
           </p:cNvPr>
@@ -1554,7 +1554,7 @@
           <p:cNvPr id="3" name="Text Placeholder 2">
             <a:extLst>
               <a:ext uri="{FF2B5EF4-FFF2-40B4-BE49-F238E27FC236}">
-                <a16:creationId xmlns:a16="http://schemas.microsoft.com/office/drawing/2014/main" id="{8702738E-5FB2-7E39-C658-3525CE9D95D3}"/>
+                <a16:creationId xmlns:a16="http://schemas.microsoft.com/office/drawing/2014/main" id="{342B83A5-69AC-F878-6FB4-7E5ED0C27BF5}"/>
               </a:ext>
             </a:extLst>
           </p:cNvPr>
@@ -1625,7 +1625,7 @@
           <p:cNvPr id="4" name="Content Placeholder 3">
             <a:extLst>
               <a:ext uri="{FF2B5EF4-FFF2-40B4-BE49-F238E27FC236}">
-                <a16:creationId xmlns:a16="http://schemas.microsoft.com/office/drawing/2014/main" id="{C8E3073A-56AD-B072-8D9B-5B7332C25F3F}"/>
+                <a16:creationId xmlns:a16="http://schemas.microsoft.com/office/drawing/2014/main" id="{25B04314-232A-002A-00B7-5B6056398174}"/>
               </a:ext>
             </a:extLst>
           </p:cNvPr>
@@ -1688,7 +1688,7 @@
           <p:cNvPr id="5" name="Text Placeholder 4">
             <a:extLst>
               <a:ext uri="{FF2B5EF4-FFF2-40B4-BE49-F238E27FC236}">
-                <a16:creationId xmlns:a16="http://schemas.microsoft.com/office/drawing/2014/main" id="{3843045E-8D60-A82E-2CA9-34A872A57CD2}"/>
+                <a16:creationId xmlns:a16="http://schemas.microsoft.com/office/drawing/2014/main" id="{86B01987-F20A-1923-91DD-DD50331889F0}"/>
               </a:ext>
             </a:extLst>
           </p:cNvPr>
@@ -1759,7 +1759,7 @@
           <p:cNvPr id="6" name="Content Placeholder 5">
             <a:extLst>
               <a:ext uri="{FF2B5EF4-FFF2-40B4-BE49-F238E27FC236}">
-                <a16:creationId xmlns:a16="http://schemas.microsoft.com/office/drawing/2014/main" id="{8923B604-698E-5073-40DE-1DE304FACFEF}"/>
+                <a16:creationId xmlns:a16="http://schemas.microsoft.com/office/drawing/2014/main" id="{1FE93D40-8B08-634E-E4B3-35D77A8B757E}"/>
               </a:ext>
             </a:extLst>
           </p:cNvPr>
@@ -1822,7 +1822,7 @@
           <p:cNvPr id="7" name="Date Placeholder 6">
             <a:extLst>
               <a:ext uri="{FF2B5EF4-FFF2-40B4-BE49-F238E27FC236}">
-                <a16:creationId xmlns:a16="http://schemas.microsoft.com/office/drawing/2014/main" id="{CBCF5930-964E-49CA-8763-F55224730457}"/>
+                <a16:creationId xmlns:a16="http://schemas.microsoft.com/office/drawing/2014/main" id="{BD0B233F-BED7-650C-E04D-43E6DDB7273B}"/>
               </a:ext>
             </a:extLst>
           </p:cNvPr>
@@ -1840,7 +1840,7 @@
           <a:p>
             <a:fld id="{D70B48C1-5FCE-4D67-B5A6-EBC32924EA5B}" type="datetimeFigureOut">
               <a:rPr lang="en-GB" smtClean="0"/>
-              <a:t>17/05/2023</a:t>
+              <a:t>18/05/2023</a:t>
             </a:fld>
             <a:endParaRPr lang="en-GB"/>
           </a:p>
@@ -1851,7 +1851,7 @@
           <p:cNvPr id="8" name="Footer Placeholder 7">
             <a:extLst>
               <a:ext uri="{FF2B5EF4-FFF2-40B4-BE49-F238E27FC236}">
-                <a16:creationId xmlns:a16="http://schemas.microsoft.com/office/drawing/2014/main" id="{34911C17-4887-6DDE-2C30-32CB85FC17D7}"/>
+                <a16:creationId xmlns:a16="http://schemas.microsoft.com/office/drawing/2014/main" id="{A5596C8E-8350-46A7-2A5E-ED1452BFFEB1}"/>
               </a:ext>
             </a:extLst>
           </p:cNvPr>
@@ -1876,7 +1876,7 @@
           <p:cNvPr id="9" name="Slide Number Placeholder 8">
             <a:extLst>
               <a:ext uri="{FF2B5EF4-FFF2-40B4-BE49-F238E27FC236}">
-                <a16:creationId xmlns:a16="http://schemas.microsoft.com/office/drawing/2014/main" id="{1AB19357-B6F4-8466-0094-8842C1DFDFE0}"/>
+                <a16:creationId xmlns:a16="http://schemas.microsoft.com/office/drawing/2014/main" id="{CE93C9F6-C614-5D89-39AD-666D9D2FC62F}"/>
               </a:ext>
             </a:extLst>
           </p:cNvPr>
@@ -1903,7 +1903,7 @@
     </p:spTree>
     <p:extLst>
       <p:ext uri="{BB962C8B-B14F-4D97-AF65-F5344CB8AC3E}">
-        <p14:creationId xmlns:p14="http://schemas.microsoft.com/office/powerpoint/2010/main" val="1271340504"/>
+        <p14:creationId xmlns:p14="http://schemas.microsoft.com/office/powerpoint/2010/main" val="3578298488"/>
       </p:ext>
     </p:extLst>
   </p:cSld>
@@ -1935,7 +1935,7 @@
           <p:cNvPr id="2" name="Title 1">
             <a:extLst>
               <a:ext uri="{FF2B5EF4-FFF2-40B4-BE49-F238E27FC236}">
-                <a16:creationId xmlns:a16="http://schemas.microsoft.com/office/drawing/2014/main" id="{DDA49E37-9DB3-BFA1-41FC-C02C09349DDB}"/>
+                <a16:creationId xmlns:a16="http://schemas.microsoft.com/office/drawing/2014/main" id="{73DEFE4F-C1DE-DC8C-DD61-C687CA074467}"/>
               </a:ext>
             </a:extLst>
           </p:cNvPr>
@@ -1964,7 +1964,7 @@
           <p:cNvPr id="3" name="Date Placeholder 2">
             <a:extLst>
               <a:ext uri="{FF2B5EF4-FFF2-40B4-BE49-F238E27FC236}">
-                <a16:creationId xmlns:a16="http://schemas.microsoft.com/office/drawing/2014/main" id="{AD1F2333-4BC1-A024-20DC-06A1AC356189}"/>
+                <a16:creationId xmlns:a16="http://schemas.microsoft.com/office/drawing/2014/main" id="{FA0F9B2C-6024-7D21-B07B-9D3F5B967E98}"/>
               </a:ext>
             </a:extLst>
           </p:cNvPr>
@@ -1982,7 +1982,7 @@
           <a:p>
             <a:fld id="{D70B48C1-5FCE-4D67-B5A6-EBC32924EA5B}" type="datetimeFigureOut">
               <a:rPr lang="en-GB" smtClean="0"/>
-              <a:t>17/05/2023</a:t>
+              <a:t>18/05/2023</a:t>
             </a:fld>
             <a:endParaRPr lang="en-GB"/>
           </a:p>
@@ -1993,7 +1993,7 @@
           <p:cNvPr id="4" name="Footer Placeholder 3">
             <a:extLst>
               <a:ext uri="{FF2B5EF4-FFF2-40B4-BE49-F238E27FC236}">
-                <a16:creationId xmlns:a16="http://schemas.microsoft.com/office/drawing/2014/main" id="{01E7C452-F917-BC4A-E738-D6344B132952}"/>
+                <a16:creationId xmlns:a16="http://schemas.microsoft.com/office/drawing/2014/main" id="{3CAA7803-FB47-D66E-D536-5A6806FAF101}"/>
               </a:ext>
             </a:extLst>
           </p:cNvPr>
@@ -2018,7 +2018,7 @@
           <p:cNvPr id="5" name="Slide Number Placeholder 4">
             <a:extLst>
               <a:ext uri="{FF2B5EF4-FFF2-40B4-BE49-F238E27FC236}">
-                <a16:creationId xmlns:a16="http://schemas.microsoft.com/office/drawing/2014/main" id="{E3D141ED-E396-FA3B-6206-A36B4118C912}"/>
+                <a16:creationId xmlns:a16="http://schemas.microsoft.com/office/drawing/2014/main" id="{A6ADC053-C9BB-5931-06E3-82AD5CEB6219}"/>
               </a:ext>
             </a:extLst>
           </p:cNvPr>
@@ -2045,7 +2045,7 @@
     </p:spTree>
     <p:extLst>
       <p:ext uri="{BB962C8B-B14F-4D97-AF65-F5344CB8AC3E}">
-        <p14:creationId xmlns:p14="http://schemas.microsoft.com/office/powerpoint/2010/main" val="1721293994"/>
+        <p14:creationId xmlns:p14="http://schemas.microsoft.com/office/powerpoint/2010/main" val="347332482"/>
       </p:ext>
     </p:extLst>
   </p:cSld>
@@ -2077,7 +2077,7 @@
           <p:cNvPr id="2" name="Date Placeholder 1">
             <a:extLst>
               <a:ext uri="{FF2B5EF4-FFF2-40B4-BE49-F238E27FC236}">
-                <a16:creationId xmlns:a16="http://schemas.microsoft.com/office/drawing/2014/main" id="{D6FE295D-F225-2F38-FC98-1662A410BA1D}"/>
+                <a16:creationId xmlns:a16="http://schemas.microsoft.com/office/drawing/2014/main" id="{DD17CCFD-0F19-4FC1-A3BA-2EA84B278E52}"/>
               </a:ext>
             </a:extLst>
           </p:cNvPr>
@@ -2095,7 +2095,7 @@
           <a:p>
             <a:fld id="{D70B48C1-5FCE-4D67-B5A6-EBC32924EA5B}" type="datetimeFigureOut">
               <a:rPr lang="en-GB" smtClean="0"/>
-              <a:t>17/05/2023</a:t>
+              <a:t>18/05/2023</a:t>
             </a:fld>
             <a:endParaRPr lang="en-GB"/>
           </a:p>
@@ -2106,7 +2106,7 @@
           <p:cNvPr id="3" name="Footer Placeholder 2">
             <a:extLst>
               <a:ext uri="{FF2B5EF4-FFF2-40B4-BE49-F238E27FC236}">
-                <a16:creationId xmlns:a16="http://schemas.microsoft.com/office/drawing/2014/main" id="{D66250B8-F9B0-8705-7D64-D6FB04438835}"/>
+                <a16:creationId xmlns:a16="http://schemas.microsoft.com/office/drawing/2014/main" id="{AECA8CA9-B51B-D8C9-5839-0C80C5B80954}"/>
               </a:ext>
             </a:extLst>
           </p:cNvPr>
@@ -2131,7 +2131,7 @@
           <p:cNvPr id="4" name="Slide Number Placeholder 3">
             <a:extLst>
               <a:ext uri="{FF2B5EF4-FFF2-40B4-BE49-F238E27FC236}">
-                <a16:creationId xmlns:a16="http://schemas.microsoft.com/office/drawing/2014/main" id="{0C0DD438-0BB3-FC13-B05A-75CB48CD260A}"/>
+                <a16:creationId xmlns:a16="http://schemas.microsoft.com/office/drawing/2014/main" id="{DF43ADB8-747A-F9DC-E240-E67685183D61}"/>
               </a:ext>
             </a:extLst>
           </p:cNvPr>
@@ -2158,7 +2158,7 @@
     </p:spTree>
     <p:extLst>
       <p:ext uri="{BB962C8B-B14F-4D97-AF65-F5344CB8AC3E}">
-        <p14:creationId xmlns:p14="http://schemas.microsoft.com/office/powerpoint/2010/main" val="2108347629"/>
+        <p14:creationId xmlns:p14="http://schemas.microsoft.com/office/powerpoint/2010/main" val="2702727372"/>
       </p:ext>
     </p:extLst>
   </p:cSld>
@@ -2190,7 +2190,7 @@
           <p:cNvPr id="2" name="Title 1">
             <a:extLst>
               <a:ext uri="{FF2B5EF4-FFF2-40B4-BE49-F238E27FC236}">
-                <a16:creationId xmlns:a16="http://schemas.microsoft.com/office/drawing/2014/main" id="{61B032DD-B7F1-9762-9753-302703030BDD}"/>
+                <a16:creationId xmlns:a16="http://schemas.microsoft.com/office/drawing/2014/main" id="{37281876-19F0-5311-5B51-0FF332D0F292}"/>
               </a:ext>
             </a:extLst>
           </p:cNvPr>
@@ -2228,7 +2228,7 @@
           <p:cNvPr id="3" name="Content Placeholder 2">
             <a:extLst>
               <a:ext uri="{FF2B5EF4-FFF2-40B4-BE49-F238E27FC236}">
-                <a16:creationId xmlns:a16="http://schemas.microsoft.com/office/drawing/2014/main" id="{EA85E313-0EAC-A1A2-A5B4-E6E2739E028C}"/>
+                <a16:creationId xmlns:a16="http://schemas.microsoft.com/office/drawing/2014/main" id="{3EE10075-D8F2-AD42-8EF7-6B03B8662F24}"/>
               </a:ext>
             </a:extLst>
           </p:cNvPr>
@@ -2319,7 +2319,7 @@
           <p:cNvPr id="4" name="Text Placeholder 3">
             <a:extLst>
               <a:ext uri="{FF2B5EF4-FFF2-40B4-BE49-F238E27FC236}">
-                <a16:creationId xmlns:a16="http://schemas.microsoft.com/office/drawing/2014/main" id="{7BAE04FE-72AF-23F2-94E2-8C0B15131F65}"/>
+                <a16:creationId xmlns:a16="http://schemas.microsoft.com/office/drawing/2014/main" id="{E937FBDA-E0BA-E4E6-BB6D-D300FCDF3DA4}"/>
               </a:ext>
             </a:extLst>
           </p:cNvPr>
@@ -2390,7 +2390,7 @@
           <p:cNvPr id="5" name="Date Placeholder 4">
             <a:extLst>
               <a:ext uri="{FF2B5EF4-FFF2-40B4-BE49-F238E27FC236}">
-                <a16:creationId xmlns:a16="http://schemas.microsoft.com/office/drawing/2014/main" id="{656F8CAB-8101-AE49-88D8-8C0DB55FC67E}"/>
+                <a16:creationId xmlns:a16="http://schemas.microsoft.com/office/drawing/2014/main" id="{926B4974-D91F-CEB5-514C-7BEEB3F76FB1}"/>
               </a:ext>
             </a:extLst>
           </p:cNvPr>
@@ -2408,7 +2408,7 @@
           <a:p>
             <a:fld id="{D70B48C1-5FCE-4D67-B5A6-EBC32924EA5B}" type="datetimeFigureOut">
               <a:rPr lang="en-GB" smtClean="0"/>
-              <a:t>17/05/2023</a:t>
+              <a:t>18/05/2023</a:t>
             </a:fld>
             <a:endParaRPr lang="en-GB"/>
           </a:p>
@@ -2419,7 +2419,7 @@
           <p:cNvPr id="6" name="Footer Placeholder 5">
             <a:extLst>
               <a:ext uri="{FF2B5EF4-FFF2-40B4-BE49-F238E27FC236}">
-                <a16:creationId xmlns:a16="http://schemas.microsoft.com/office/drawing/2014/main" id="{B199CF44-3B75-C783-4252-EF8C3723B78F}"/>
+                <a16:creationId xmlns:a16="http://schemas.microsoft.com/office/drawing/2014/main" id="{6799ECCC-6B29-F4B9-A9BD-0BB9FCD89AC6}"/>
               </a:ext>
             </a:extLst>
           </p:cNvPr>
@@ -2444,7 +2444,7 @@
           <p:cNvPr id="7" name="Slide Number Placeholder 6">
             <a:extLst>
               <a:ext uri="{FF2B5EF4-FFF2-40B4-BE49-F238E27FC236}">
-                <a16:creationId xmlns:a16="http://schemas.microsoft.com/office/drawing/2014/main" id="{EBBA3C98-6773-3103-3969-EEA651AD25D1}"/>
+                <a16:creationId xmlns:a16="http://schemas.microsoft.com/office/drawing/2014/main" id="{B5810F4F-56E6-E35F-75D5-0794F84F7FE2}"/>
               </a:ext>
             </a:extLst>
           </p:cNvPr>
@@ -2471,7 +2471,7 @@
     </p:spTree>
     <p:extLst>
       <p:ext uri="{BB962C8B-B14F-4D97-AF65-F5344CB8AC3E}">
-        <p14:creationId xmlns:p14="http://schemas.microsoft.com/office/powerpoint/2010/main" val="280580446"/>
+        <p14:creationId xmlns:p14="http://schemas.microsoft.com/office/powerpoint/2010/main" val="1729345070"/>
       </p:ext>
     </p:extLst>
   </p:cSld>
@@ -2503,7 +2503,7 @@
           <p:cNvPr id="2" name="Title 1">
             <a:extLst>
               <a:ext uri="{FF2B5EF4-FFF2-40B4-BE49-F238E27FC236}">
-                <a16:creationId xmlns:a16="http://schemas.microsoft.com/office/drawing/2014/main" id="{865A7CEA-8E80-B0E3-55C9-4B0E8BF1F3C4}"/>
+                <a16:creationId xmlns:a16="http://schemas.microsoft.com/office/drawing/2014/main" id="{C7E884CF-6A6E-D5DA-E9E4-E650278FF887}"/>
               </a:ext>
             </a:extLst>
           </p:cNvPr>
@@ -2541,7 +2541,7 @@
           <p:cNvPr id="3" name="Picture Placeholder 2">
             <a:extLst>
               <a:ext uri="{FF2B5EF4-FFF2-40B4-BE49-F238E27FC236}">
-                <a16:creationId xmlns:a16="http://schemas.microsoft.com/office/drawing/2014/main" id="{E7EFC98D-216B-0DEE-2E73-0DDB29F5FA62}"/>
+                <a16:creationId xmlns:a16="http://schemas.microsoft.com/office/drawing/2014/main" id="{A78EDA64-35F1-1958-0C52-C22DFA38DF84}"/>
               </a:ext>
             </a:extLst>
           </p:cNvPr>
@@ -2608,7 +2608,7 @@
           <p:cNvPr id="4" name="Text Placeholder 3">
             <a:extLst>
               <a:ext uri="{FF2B5EF4-FFF2-40B4-BE49-F238E27FC236}">
-                <a16:creationId xmlns:a16="http://schemas.microsoft.com/office/drawing/2014/main" id="{B5EBA66E-8128-2D7C-FD2E-3DD9C4014453}"/>
+                <a16:creationId xmlns:a16="http://schemas.microsoft.com/office/drawing/2014/main" id="{F733E9A3-633B-EB66-54D9-68E6CBD4404E}"/>
               </a:ext>
             </a:extLst>
           </p:cNvPr>
@@ -2679,7 +2679,7 @@
           <p:cNvPr id="5" name="Date Placeholder 4">
             <a:extLst>
               <a:ext uri="{FF2B5EF4-FFF2-40B4-BE49-F238E27FC236}">
-                <a16:creationId xmlns:a16="http://schemas.microsoft.com/office/drawing/2014/main" id="{BC216419-6B56-187E-3DAE-83865FCDC77B}"/>
+                <a16:creationId xmlns:a16="http://schemas.microsoft.com/office/drawing/2014/main" id="{A02DCFE3-C953-BCFF-F4B8-6996B209B0D2}"/>
               </a:ext>
             </a:extLst>
           </p:cNvPr>
@@ -2697,7 +2697,7 @@
           <a:p>
             <a:fld id="{D70B48C1-5FCE-4D67-B5A6-EBC32924EA5B}" type="datetimeFigureOut">
               <a:rPr lang="en-GB" smtClean="0"/>
-              <a:t>17/05/2023</a:t>
+              <a:t>18/05/2023</a:t>
             </a:fld>
             <a:endParaRPr lang="en-GB"/>
           </a:p>
@@ -2708,7 +2708,7 @@
           <p:cNvPr id="6" name="Footer Placeholder 5">
             <a:extLst>
               <a:ext uri="{FF2B5EF4-FFF2-40B4-BE49-F238E27FC236}">
-                <a16:creationId xmlns:a16="http://schemas.microsoft.com/office/drawing/2014/main" id="{5F9D3B4B-CB8E-18B9-EB80-ABE3945175FD}"/>
+                <a16:creationId xmlns:a16="http://schemas.microsoft.com/office/drawing/2014/main" id="{2C19DC87-AEFF-F9C2-A64B-0ABBCC94E148}"/>
               </a:ext>
             </a:extLst>
           </p:cNvPr>
@@ -2733,7 +2733,7 @@
           <p:cNvPr id="7" name="Slide Number Placeholder 6">
             <a:extLst>
               <a:ext uri="{FF2B5EF4-FFF2-40B4-BE49-F238E27FC236}">
-                <a16:creationId xmlns:a16="http://schemas.microsoft.com/office/drawing/2014/main" id="{D5FE8672-1172-2B2A-2D1E-DDC401482C36}"/>
+                <a16:creationId xmlns:a16="http://schemas.microsoft.com/office/drawing/2014/main" id="{0D56357B-822E-7665-EDBF-9E2F6D8F95E7}"/>
               </a:ext>
             </a:extLst>
           </p:cNvPr>
@@ -2760,7 +2760,7 @@
     </p:spTree>
     <p:extLst>
       <p:ext uri="{BB962C8B-B14F-4D97-AF65-F5344CB8AC3E}">
-        <p14:creationId xmlns:p14="http://schemas.microsoft.com/office/powerpoint/2010/main" val="2801241415"/>
+        <p14:creationId xmlns:p14="http://schemas.microsoft.com/office/powerpoint/2010/main" val="160068894"/>
       </p:ext>
     </p:extLst>
   </p:cSld>
@@ -2797,7 +2797,7 @@
           <p:cNvPr id="2" name="Title Placeholder 1">
             <a:extLst>
               <a:ext uri="{FF2B5EF4-FFF2-40B4-BE49-F238E27FC236}">
-                <a16:creationId xmlns:a16="http://schemas.microsoft.com/office/drawing/2014/main" id="{2F66C4A4-7731-CDD5-1E24-7C50184ACA3A}"/>
+                <a16:creationId xmlns:a16="http://schemas.microsoft.com/office/drawing/2014/main" id="{07084023-2628-DCF2-33D7-DF864CB73965}"/>
               </a:ext>
             </a:extLst>
           </p:cNvPr>
@@ -2836,7 +2836,7 @@
           <p:cNvPr id="3" name="Text Placeholder 2">
             <a:extLst>
               <a:ext uri="{FF2B5EF4-FFF2-40B4-BE49-F238E27FC236}">
-                <a16:creationId xmlns:a16="http://schemas.microsoft.com/office/drawing/2014/main" id="{9CE61973-2DAD-CD60-3F45-C3FF02467612}"/>
+                <a16:creationId xmlns:a16="http://schemas.microsoft.com/office/drawing/2014/main" id="{9BB1CB78-E3F3-D165-58E9-20DF1FEF004A}"/>
               </a:ext>
             </a:extLst>
           </p:cNvPr>
@@ -2904,7 +2904,7 @@
           <p:cNvPr id="4" name="Date Placeholder 3">
             <a:extLst>
               <a:ext uri="{FF2B5EF4-FFF2-40B4-BE49-F238E27FC236}">
-                <a16:creationId xmlns:a16="http://schemas.microsoft.com/office/drawing/2014/main" id="{DB9A1126-9CF9-AD48-E7C0-A7FA8B84A32D}"/>
+                <a16:creationId xmlns:a16="http://schemas.microsoft.com/office/drawing/2014/main" id="{367E5E09-E031-4D1E-DFE8-5EBA939B82AF}"/>
               </a:ext>
             </a:extLst>
           </p:cNvPr>
@@ -2940,7 +2940,7 @@
           <a:p>
             <a:fld id="{D70B48C1-5FCE-4D67-B5A6-EBC32924EA5B}" type="datetimeFigureOut">
               <a:rPr lang="en-GB" smtClean="0"/>
-              <a:t>17/05/2023</a:t>
+              <a:t>18/05/2023</a:t>
             </a:fld>
             <a:endParaRPr lang="en-GB"/>
           </a:p>
@@ -2951,7 +2951,7 @@
           <p:cNvPr id="5" name="Footer Placeholder 4">
             <a:extLst>
               <a:ext uri="{FF2B5EF4-FFF2-40B4-BE49-F238E27FC236}">
-                <a16:creationId xmlns:a16="http://schemas.microsoft.com/office/drawing/2014/main" id="{53A28105-6492-651A-974B-E682F04A27FA}"/>
+                <a16:creationId xmlns:a16="http://schemas.microsoft.com/office/drawing/2014/main" id="{1427600A-AF40-651C-6E54-4E5EE0024BBF}"/>
               </a:ext>
             </a:extLst>
           </p:cNvPr>
@@ -2994,7 +2994,7 @@
           <p:cNvPr id="6" name="Slide Number Placeholder 5">
             <a:extLst>
               <a:ext uri="{FF2B5EF4-FFF2-40B4-BE49-F238E27FC236}">
-                <a16:creationId xmlns:a16="http://schemas.microsoft.com/office/drawing/2014/main" id="{07B0CAA0-FBF6-F263-8A32-B0AE1AB6CE25}"/>
+                <a16:creationId xmlns:a16="http://schemas.microsoft.com/office/drawing/2014/main" id="{12D3DB59-0266-C0C1-44EF-2CEFB660D494}"/>
               </a:ext>
             </a:extLst>
           </p:cNvPr>
@@ -3038,10 +3038,10 @@
       </p:sp>
       <p:sp>
         <p:nvSpPr>
-          <p:cNvPr id="8" name="TextBox 7">
-            <a:extLst>
-              <a:ext uri="{FF2B5EF4-FFF2-40B4-BE49-F238E27FC236}">
-                <a16:creationId xmlns:a16="http://schemas.microsoft.com/office/drawing/2014/main" id="{5224A92A-DD8E-118B-1957-EB1A5F30D2FC}"/>
+          <p:cNvPr id="7" name="TextBox 6">
+            <a:extLst>
+              <a:ext uri="{FF2B5EF4-FFF2-40B4-BE49-F238E27FC236}">
+                <a16:creationId xmlns:a16="http://schemas.microsoft.com/office/drawing/2014/main" id="{9E8AB3B3-9E75-4343-6109-37339BDF7039}"/>
               </a:ext>
             </a:extLst>
           </p:cNvPr>
@@ -3086,23 +3086,23 @@
     </p:spTree>
     <p:extLst>
       <p:ext uri="{BB962C8B-B14F-4D97-AF65-F5344CB8AC3E}">
-        <p14:creationId xmlns:p14="http://schemas.microsoft.com/office/powerpoint/2010/main" val="3579953485"/>
+        <p14:creationId xmlns:p14="http://schemas.microsoft.com/office/powerpoint/2010/main" val="2433495291"/>
       </p:ext>
     </p:extLst>
   </p:cSld>
   <p:clrMap bg1="lt1" tx1="dk1" bg2="lt2" tx2="dk2" accent1="accent1" accent2="accent2" accent3="accent3" accent4="accent4" accent5="accent5" accent6="accent6" hlink="hlink" folHlink="folHlink"/>
   <p:sldLayoutIdLst>
-    <p:sldLayoutId id="2147483734" r:id="rId1"/>
-    <p:sldLayoutId id="2147483735" r:id="rId2"/>
-    <p:sldLayoutId id="2147483736" r:id="rId3"/>
-    <p:sldLayoutId id="2147483737" r:id="rId4"/>
-    <p:sldLayoutId id="2147483738" r:id="rId5"/>
-    <p:sldLayoutId id="2147483739" r:id="rId6"/>
-    <p:sldLayoutId id="2147483740" r:id="rId7"/>
-    <p:sldLayoutId id="2147483741" r:id="rId8"/>
-    <p:sldLayoutId id="2147483742" r:id="rId9"/>
-    <p:sldLayoutId id="2147483743" r:id="rId10"/>
-    <p:sldLayoutId id="2147483744" r:id="rId11"/>
+    <p:sldLayoutId id="2147483800" r:id="rId1"/>
+    <p:sldLayoutId id="2147483801" r:id="rId2"/>
+    <p:sldLayoutId id="2147483802" r:id="rId3"/>
+    <p:sldLayoutId id="2147483803" r:id="rId4"/>
+    <p:sldLayoutId id="2147483804" r:id="rId5"/>
+    <p:sldLayoutId id="2147483805" r:id="rId6"/>
+    <p:sldLayoutId id="2147483806" r:id="rId7"/>
+    <p:sldLayoutId id="2147483807" r:id="rId8"/>
+    <p:sldLayoutId id="2147483808" r:id="rId9"/>
+    <p:sldLayoutId id="2147483809" r:id="rId10"/>
+    <p:sldLayoutId id="2147483810" r:id="rId11"/>
   </p:sldLayoutIdLst>
   <p:txStyles>
     <p:titleStyle>
@@ -3491,8 +3491,8 @@
         </p:blipFill>
         <p:spPr>
           <a:xfrm>
-            <a:off x="3363967" y="3602037"/>
-            <a:ext cx="5194242" cy="1926409"/>
+            <a:off x="1524000" y="3602037"/>
+            <a:ext cx="7034209" cy="1926409"/>
           </a:xfrm>
           <a:prstGeom prst="rect">
             <a:avLst/>
@@ -3558,95 +3558,129 @@
           </a:p>
         </p:txBody>
       </p:sp>
-      <p:pic>
-        <p:nvPicPr>
-          <p:cNvPr id="5" name="Content Placeholder 4">
-            <a:extLst>
-              <a:ext uri="{FF2B5EF4-FFF2-40B4-BE49-F238E27FC236}">
-                <a16:creationId xmlns:a16="http://schemas.microsoft.com/office/drawing/2014/main" id="{E947137C-C229-9ED0-30F3-728BD6A94065}"/>
-              </a:ext>
-            </a:extLst>
-          </p:cNvPr>
-          <p:cNvPicPr>
-            <a:picLocks noGrp="1" noChangeAspect="1"/>
-          </p:cNvPicPr>
+      <p:sp>
+        <p:nvSpPr>
+          <p:cNvPr id="4" name="Content Placeholder 3">
+            <a:extLst>
+              <a:ext uri="{FF2B5EF4-FFF2-40B4-BE49-F238E27FC236}">
+                <a16:creationId xmlns:a16="http://schemas.microsoft.com/office/drawing/2014/main" id="{6FFA3A96-5A06-5ABE-9F63-5170EACE2E2C}"/>
+              </a:ext>
+            </a:extLst>
+          </p:cNvPr>
+          <p:cNvSpPr>
+            <a:spLocks noGrp="1"/>
+          </p:cNvSpPr>
           <p:nvPr>
             <p:ph idx="1"/>
           </p:nvPr>
-        </p:nvPicPr>
-        <p:blipFill>
-          <a:blip r:embed="rId2"/>
-          <a:stretch>
-            <a:fillRect/>
-          </a:stretch>
-        </p:blipFill>
+        </p:nvSpPr>
         <p:spPr>
           <a:xfrm>
-            <a:off x="954735" y="1690687"/>
-            <a:ext cx="2920579" cy="4645687"/>
+            <a:off x="404735" y="2053652"/>
+            <a:ext cx="10650120" cy="3867463"/>
           </a:xfrm>
         </p:spPr>
-      </p:pic>
-      <p:pic>
-        <p:nvPicPr>
-          <p:cNvPr id="7" name="Picture 6">
-            <a:extLst>
-              <a:ext uri="{FF2B5EF4-FFF2-40B4-BE49-F238E27FC236}">
-                <a16:creationId xmlns:a16="http://schemas.microsoft.com/office/drawing/2014/main" id="{DDC2CCAB-DB66-7E88-4A90-71703CE750E1}"/>
-              </a:ext>
-            </a:extLst>
-          </p:cNvPr>
-          <p:cNvPicPr>
-            <a:picLocks noChangeAspect="1"/>
-          </p:cNvPicPr>
-          <p:nvPr/>
-        </p:nvPicPr>
-        <p:blipFill>
-          <a:blip r:embed="rId3"/>
-          <a:stretch>
-            <a:fillRect/>
-          </a:stretch>
-        </p:blipFill>
-        <p:spPr>
-          <a:xfrm>
-            <a:off x="4154297" y="1690687"/>
-            <a:ext cx="3126069" cy="8440390"/>
-          </a:xfrm>
-          <a:prstGeom prst="rect">
-            <a:avLst/>
-          </a:prstGeom>
-        </p:spPr>
-      </p:pic>
-      <p:pic>
-        <p:nvPicPr>
-          <p:cNvPr id="9" name="Picture 8">
-            <a:extLst>
-              <a:ext uri="{FF2B5EF4-FFF2-40B4-BE49-F238E27FC236}">
-                <a16:creationId xmlns:a16="http://schemas.microsoft.com/office/drawing/2014/main" id="{168F39BB-03DB-5379-1A67-CE3DE182FF42}"/>
-              </a:ext>
-            </a:extLst>
-          </p:cNvPr>
-          <p:cNvPicPr>
-            <a:picLocks noChangeAspect="1"/>
-          </p:cNvPicPr>
-          <p:nvPr/>
-        </p:nvPicPr>
-        <p:blipFill>
-          <a:blip r:embed="rId4"/>
-          <a:stretch>
-            <a:fillRect/>
-          </a:stretch>
-        </p:blipFill>
-        <p:spPr>
-          <a:xfrm>
-            <a:off x="7869342" y="1786482"/>
-            <a:ext cx="3207961" cy="4820253"/>
-          </a:xfrm>
-          <a:prstGeom prst="rect">
-            <a:avLst/>
-          </a:prstGeom>
-        </p:spPr>
-      </p:pic>
+        <p:txBody>
+          <a:bodyPr>
+            <a:normAutofit fontScale="40000" lnSpcReduction="20000"/>
+          </a:bodyPr>
+          <a:lstStyle/>
+          <a:p>
+            <a:r>
+              <a:rPr lang="en-GB" sz="3600" dirty="0"/>
+              <a:t>Image Name, Predicted </a:t>
+            </a:r>
+            <a:r>
+              <a:rPr lang="lg-Latn-UG" sz="3600" dirty="0"/>
+              <a:t>Class</a:t>
+            </a:r>
+          </a:p>
+          <a:p>
+            <a:r>
+              <a:rPr lang="en-GB" sz="3600" dirty="0"/>
+              <a:t>1.png, Normal</a:t>
+            </a:r>
+            <a:endParaRPr lang="lg-Latn-UG" sz="3600" dirty="0"/>
+          </a:p>
+          <a:p>
+            <a:r>
+              <a:rPr lang="en-GB" sz="3600" dirty="0"/>
+              <a:t>10.png, Sick</a:t>
+            </a:r>
+            <a:endParaRPr lang="lg-Latn-UG" sz="3600" dirty="0"/>
+          </a:p>
+          <a:p>
+            <a:r>
+              <a:rPr lang="en-GB" sz="3600" dirty="0"/>
+              <a:t>15.png, Normal</a:t>
+            </a:r>
+            <a:endParaRPr lang="lg-Latn-UG" sz="3600" dirty="0"/>
+          </a:p>
+          <a:p>
+            <a:r>
+              <a:rPr lang="en-GB" sz="3600" dirty="0"/>
+              <a:t>16.png, Sick</a:t>
+            </a:r>
+            <a:endParaRPr lang="lg-Latn-UG" sz="3600" dirty="0"/>
+          </a:p>
+          <a:p>
+            <a:r>
+              <a:rPr lang="en-GB" sz="3600" dirty="0"/>
+              <a:t>17.png, Normal</a:t>
+            </a:r>
+            <a:endParaRPr lang="lg-Latn-UG" sz="3600" dirty="0"/>
+          </a:p>
+          <a:p>
+            <a:r>
+              <a:rPr lang="en-GB" sz="3600" dirty="0"/>
+              <a:t>11.png, Normal</a:t>
+            </a:r>
+            <a:endParaRPr lang="lg-Latn-UG" sz="3600" dirty="0"/>
+          </a:p>
+          <a:p>
+            <a:r>
+              <a:rPr lang="en-GB" sz="3600" dirty="0"/>
+              <a:t>2.png, Sick</a:t>
+            </a:r>
+            <a:endParaRPr lang="lg-Latn-UG" sz="3600" dirty="0"/>
+          </a:p>
+          <a:p>
+            <a:r>
+              <a:rPr lang="en-GB" sz="3600" dirty="0"/>
+              <a:t>20.png, Sick</a:t>
+            </a:r>
+            <a:endParaRPr lang="lg-Latn-UG" sz="3600" dirty="0"/>
+          </a:p>
+          <a:p>
+            <a:r>
+              <a:rPr lang="en-GB" sz="3600" dirty="0"/>
+              <a:t>21.png, Normal</a:t>
+            </a:r>
+            <a:endParaRPr lang="lg-Latn-UG" sz="3600" dirty="0"/>
+          </a:p>
+          <a:p>
+            <a:r>
+              <a:rPr lang="en-GB" sz="3600" dirty="0"/>
+              <a:t>22.png, Sick2</a:t>
+            </a:r>
+            <a:endParaRPr lang="lg-Latn-UG" sz="3600" dirty="0"/>
+          </a:p>
+          <a:p>
+            <a:r>
+              <a:rPr lang="en-GB" sz="3600" dirty="0"/>
+              <a:t>3.png, Normal</a:t>
+            </a:r>
+            <a:endParaRPr lang="lg-Latn-UG" sz="3600" dirty="0"/>
+          </a:p>
+          <a:p>
+            <a:r>
+              <a:rPr lang="en-GB" dirty="0"/>
+              <a:t>12.png, Sick</a:t>
+            </a:r>
+            <a:endParaRPr lang="lg-Latn-UG" dirty="0"/>
+          </a:p>
+        </p:txBody>
+      </p:sp>
     </p:spTree>
     <p:extLst>
       <p:ext uri="{BB962C8B-B14F-4D97-AF65-F5344CB8AC3E}">
@@ -3702,67 +3736,131 @@
               <a:rPr lang="en-US" dirty="0"/>
               <a:t>DataSet2: Confusion matrix</a:t>
             </a:r>
+            <a:r>
+              <a:rPr lang="lg-Latn-UG" dirty="0"/>
+              <a:t> Results</a:t>
+            </a:r>
+            <a:endParaRPr lang="en-GB" dirty="0"/>
+          </a:p>
+        </p:txBody>
+      </p:sp>
+      <p:sp>
+        <p:nvSpPr>
+          <p:cNvPr id="4" name="Content Placeholder 3">
+            <a:extLst>
+              <a:ext uri="{FF2B5EF4-FFF2-40B4-BE49-F238E27FC236}">
+                <a16:creationId xmlns:a16="http://schemas.microsoft.com/office/drawing/2014/main" id="{D23BE40C-A848-7C5A-BE89-FDAAFF1440B6}"/>
+              </a:ext>
+            </a:extLst>
+          </p:cNvPr>
+          <p:cNvSpPr>
+            <a:spLocks noGrp="1"/>
+          </p:cNvSpPr>
+          <p:nvPr>
+            <p:ph idx="1"/>
+          </p:nvPr>
+        </p:nvSpPr>
+        <p:spPr/>
+        <p:txBody>
+          <a:bodyPr/>
+          <a:lstStyle/>
+          <a:p>
             <a:endParaRPr lang="en-GB" dirty="0"/>
           </a:p>
         </p:txBody>
       </p:sp>
       <p:pic>
         <p:nvPicPr>
-          <p:cNvPr id="5" name="Content Placeholder 4">
-            <a:extLst>
-              <a:ext uri="{FF2B5EF4-FFF2-40B4-BE49-F238E27FC236}">
-                <a16:creationId xmlns:a16="http://schemas.microsoft.com/office/drawing/2014/main" id="{7D363171-16FD-908B-5C3F-C2ED6430DD09}"/>
+          <p:cNvPr id="5122" name="Picture 2" descr="image">
+            <a:extLst>
+              <a:ext uri="{FF2B5EF4-FFF2-40B4-BE49-F238E27FC236}">
+                <a16:creationId xmlns:a16="http://schemas.microsoft.com/office/drawing/2014/main" id="{78543C03-5BED-2080-7E4F-02D2C4C91C6F}"/>
               </a:ext>
             </a:extLst>
           </p:cNvPr>
           <p:cNvPicPr>
-            <a:picLocks noGrp="1" noChangeAspect="1"/>
+            <a:picLocks noChangeAspect="1" noChangeArrowheads="1"/>
           </p:cNvPicPr>
-          <p:nvPr>
-            <p:ph idx="1"/>
-          </p:nvPr>
+          <p:nvPr/>
         </p:nvPicPr>
         <p:blipFill>
-          <a:blip r:embed="rId2"/>
+          <a:blip r:embed="rId2">
+            <a:extLst>
+              <a:ext uri="{28A0092B-C50C-407E-A947-70E740481C1C}">
+                <a14:useLocalDpi xmlns:a14="http://schemas.microsoft.com/office/drawing/2010/main" val="0"/>
+              </a:ext>
+            </a:extLst>
+          </a:blip>
+          <a:srcRect/>
           <a:stretch>
             <a:fillRect/>
           </a:stretch>
         </p:blipFill>
-        <p:spPr>
+        <p:spPr bwMode="auto">
           <a:xfrm>
-            <a:off x="576289" y="1788684"/>
-            <a:ext cx="5362956" cy="4396658"/>
+            <a:off x="838200" y="1872331"/>
+            <a:ext cx="5415749" cy="4093754"/>
           </a:xfrm>
+          <a:prstGeom prst="rect">
+            <a:avLst/>
+          </a:prstGeom>
+          <a:noFill/>
+          <a:extLst>
+            <a:ext uri="{909E8E84-426E-40DD-AFC4-6F175D3DCCD1}">
+              <a14:hiddenFill xmlns:a14="http://schemas.microsoft.com/office/drawing/2010/main">
+                <a:solidFill>
+                  <a:srgbClr val="FFFFFF"/>
+                </a:solidFill>
+              </a14:hiddenFill>
+            </a:ext>
+          </a:extLst>
         </p:spPr>
       </p:pic>
       <p:pic>
         <p:nvPicPr>
-          <p:cNvPr id="7" name="Picture 6">
-            <a:extLst>
-              <a:ext uri="{FF2B5EF4-FFF2-40B4-BE49-F238E27FC236}">
-                <a16:creationId xmlns:a16="http://schemas.microsoft.com/office/drawing/2014/main" id="{40385E52-389A-0CA0-B0D0-C7B077B5AE00}"/>
+          <p:cNvPr id="5124" name="Picture 4" descr="image">
+            <a:extLst>
+              <a:ext uri="{FF2B5EF4-FFF2-40B4-BE49-F238E27FC236}">
+                <a16:creationId xmlns:a16="http://schemas.microsoft.com/office/drawing/2014/main" id="{3157DABA-DA3C-B181-5A83-71ED13A8CBF6}"/>
               </a:ext>
             </a:extLst>
           </p:cNvPr>
           <p:cNvPicPr>
-            <a:picLocks noChangeAspect="1"/>
+            <a:picLocks noChangeAspect="1" noChangeArrowheads="1"/>
           </p:cNvPicPr>
           <p:nvPr/>
         </p:nvPicPr>
         <p:blipFill>
-          <a:blip r:embed="rId3"/>
+          <a:blip r:embed="rId3">
+            <a:extLst>
+              <a:ext uri="{28A0092B-C50C-407E-A947-70E740481C1C}">
+                <a14:useLocalDpi xmlns:a14="http://schemas.microsoft.com/office/drawing/2010/main" val="0"/>
+              </a:ext>
+            </a:extLst>
+          </a:blip>
+          <a:srcRect/>
           <a:stretch>
             <a:fillRect/>
           </a:stretch>
         </p:blipFill>
-        <p:spPr>
+        <p:spPr bwMode="auto">
           <a:xfrm>
-            <a:off x="6370772" y="1788683"/>
-            <a:ext cx="5415749" cy="4396657"/>
+            <a:off x="6358880" y="1955843"/>
+            <a:ext cx="5172167" cy="3988315"/>
           </a:xfrm>
           <a:prstGeom prst="rect">
             <a:avLst/>
           </a:prstGeom>
+          <a:noFill/>
+          <a:extLst>
+            <a:ext uri="{909E8E84-426E-40DD-AFC4-6F175D3DCCD1}">
+              <a14:hiddenFill xmlns:a14="http://schemas.microsoft.com/office/drawing/2010/main">
+                <a:solidFill>
+                  <a:srgbClr val="FFFFFF"/>
+                </a:solidFill>
+              </a14:hiddenFill>
+            </a:ext>
+          </a:extLst>
         </p:spPr>
       </p:pic>
     </p:spTree>
@@ -3817,8 +3915,8 @@
           <a:lstStyle/>
           <a:p>
             <a:r>
-              <a:rPr lang="en-US" dirty="0"/>
-              <a:t>Libraries used</a:t>
+              <a:rPr lang="lg-Latn-UG" dirty="0"/>
+              <a:t>Dependencies</a:t>
             </a:r>
             <a:endParaRPr lang="en-GB" dirty="0"/>
           </a:p>
@@ -3890,6 +3988,26 @@
               <a:rPr lang="en-GB" dirty="0"/>
               <a:t> import Conv2D, MaxPooling2D, Dense, Flatten, Dropout</a:t>
             </a:r>
+            <a:endParaRPr lang="lg-Latn-UG" dirty="0"/>
+          </a:p>
+          <a:p>
+            <a:r>
+              <a:rPr lang="en-GB" dirty="0"/>
+              <a:t>from </a:t>
+            </a:r>
+            <a:r>
+              <a:rPr lang="en-GB" dirty="0" err="1"/>
+              <a:t>tensorflow.keras.optimizers</a:t>
+            </a:r>
+            <a:r>
+              <a:rPr lang="en-GB" dirty="0"/>
+              <a:t> import Adam</a:t>
+            </a:r>
+            <a:endParaRPr lang="lg-Latn-UG" dirty="0"/>
+          </a:p>
+          <a:p>
+            <a:pPr algn="r"/>
+            <a:endParaRPr lang="en-GB" dirty="0"/>
           </a:p>
         </p:txBody>
       </p:sp>
@@ -4001,7 +4119,15 @@
           <a:p>
             <a:r>
               <a:rPr lang="en-GB" dirty="0"/>
-              <a:t>epochs=20</a:t>
+              <a:t>epochs=</a:t>
+            </a:r>
+            <a:r>
+              <a:rPr lang="lg-Latn-UG" dirty="0"/>
+              <a:t>1</a:t>
+            </a:r>
+            <a:r>
+              <a:rPr lang="en-GB" dirty="0"/>
+              <a:t>0</a:t>
             </a:r>
           </a:p>
           <a:p>
@@ -4010,10 +4136,24 @@
               <a:t>input_shape</a:t>
             </a:r>
             <a:r>
-              <a:rPr lang="en-GB"/>
+              <a:rPr lang="en-GB" dirty="0"/>
               <a:t>=(256,256,3)</a:t>
             </a:r>
-            <a:endParaRPr lang="en-GB" dirty="0"/>
+            <a:endParaRPr lang="lg-Latn-UG" dirty="0"/>
+          </a:p>
+          <a:p>
+            <a:r>
+              <a:rPr lang="lg-Latn-UG" dirty="0"/>
+              <a:t>l</a:t>
+            </a:r>
+            <a:r>
+              <a:rPr lang="en-GB" dirty="0" err="1"/>
+              <a:t>earning_rate</a:t>
+            </a:r>
+            <a:r>
+              <a:rPr lang="en-GB" dirty="0"/>
+              <a:t> = 0.001</a:t>
+            </a:r>
           </a:p>
         </p:txBody>
       </p:sp>
@@ -4076,21 +4216,44 @@
           </a:p>
         </p:txBody>
       </p:sp>
+      <p:sp>
+        <p:nvSpPr>
+          <p:cNvPr id="9" name="Content Placeholder 8">
+            <a:extLst>
+              <a:ext uri="{FF2B5EF4-FFF2-40B4-BE49-F238E27FC236}">
+                <a16:creationId xmlns:a16="http://schemas.microsoft.com/office/drawing/2014/main" id="{202FC0A9-A2D7-B9FE-A008-487EFECBF7F7}"/>
+              </a:ext>
+            </a:extLst>
+          </p:cNvPr>
+          <p:cNvSpPr>
+            <a:spLocks noGrp="1"/>
+          </p:cNvSpPr>
+          <p:nvPr>
+            <p:ph idx="1"/>
+          </p:nvPr>
+        </p:nvSpPr>
+        <p:spPr/>
+        <p:txBody>
+          <a:bodyPr/>
+          <a:lstStyle/>
+          <a:p>
+            <a:endParaRPr lang="en-GB"/>
+          </a:p>
+        </p:txBody>
+      </p:sp>
       <p:pic>
         <p:nvPicPr>
-          <p:cNvPr id="5" name="Content Placeholder 4">
-            <a:extLst>
-              <a:ext uri="{FF2B5EF4-FFF2-40B4-BE49-F238E27FC236}">
-                <a16:creationId xmlns:a16="http://schemas.microsoft.com/office/drawing/2014/main" id="{E3D75495-E4FE-D4EE-9959-E35DE9D1DA5B}"/>
+          <p:cNvPr id="11" name="Picture 10">
+            <a:extLst>
+              <a:ext uri="{FF2B5EF4-FFF2-40B4-BE49-F238E27FC236}">
+                <a16:creationId xmlns:a16="http://schemas.microsoft.com/office/drawing/2014/main" id="{5BD19F8B-C9CB-2AC3-4977-0C1209BBEB3F}"/>
               </a:ext>
             </a:extLst>
           </p:cNvPr>
           <p:cNvPicPr>
-            <a:picLocks noGrp="1" noChangeAspect="1"/>
+            <a:picLocks noChangeAspect="1"/>
           </p:cNvPicPr>
-          <p:nvPr>
-            <p:ph idx="1"/>
-          </p:nvPr>
+          <p:nvPr/>
         </p:nvPicPr>
         <p:blipFill>
           <a:blip r:embed="rId2"/>
@@ -4100,9 +4263,12 @@
         </p:blipFill>
         <p:spPr>
           <a:xfrm>
-            <a:off x="838200" y="1568565"/>
-            <a:ext cx="9785055" cy="2655091"/>
+            <a:off x="838200" y="1852405"/>
+            <a:ext cx="10089630" cy="4094029"/>
           </a:xfrm>
+          <a:prstGeom prst="rect">
+            <a:avLst/>
+          </a:prstGeom>
         </p:spPr>
       </p:pic>
     </p:spTree>
@@ -4164,33 +4330,76 @@
           </a:p>
         </p:txBody>
       </p:sp>
+      <p:sp>
+        <p:nvSpPr>
+          <p:cNvPr id="4" name="Content Placeholder 3">
+            <a:extLst>
+              <a:ext uri="{FF2B5EF4-FFF2-40B4-BE49-F238E27FC236}">
+                <a16:creationId xmlns:a16="http://schemas.microsoft.com/office/drawing/2014/main" id="{E7DBA461-DC06-BD3C-2C06-BCF807931BD7}"/>
+              </a:ext>
+            </a:extLst>
+          </p:cNvPr>
+          <p:cNvSpPr>
+            <a:spLocks noGrp="1"/>
+          </p:cNvSpPr>
+          <p:nvPr>
+            <p:ph idx="1"/>
+          </p:nvPr>
+        </p:nvSpPr>
+        <p:spPr/>
+        <p:txBody>
+          <a:bodyPr/>
+          <a:lstStyle/>
+          <a:p>
+            <a:endParaRPr lang="en-GB"/>
+          </a:p>
+        </p:txBody>
+      </p:sp>
       <p:pic>
         <p:nvPicPr>
-          <p:cNvPr id="5" name="Content Placeholder 4">
-            <a:extLst>
-              <a:ext uri="{FF2B5EF4-FFF2-40B4-BE49-F238E27FC236}">
-                <a16:creationId xmlns:a16="http://schemas.microsoft.com/office/drawing/2014/main" id="{2618B2E3-0695-D330-13F3-C9ABA75AB9A2}"/>
+          <p:cNvPr id="1026" name="Picture 2">
+            <a:extLst>
+              <a:ext uri="{FF2B5EF4-FFF2-40B4-BE49-F238E27FC236}">
+                <a16:creationId xmlns:a16="http://schemas.microsoft.com/office/drawing/2014/main" id="{FE1A0576-DD9D-ABD0-21E2-18AC5DF95E56}"/>
               </a:ext>
             </a:extLst>
           </p:cNvPr>
           <p:cNvPicPr>
-            <a:picLocks noGrp="1" noChangeAspect="1"/>
+            <a:picLocks noChangeAspect="1" noChangeArrowheads="1"/>
           </p:cNvPicPr>
-          <p:nvPr>
-            <p:ph idx="1"/>
-          </p:nvPr>
+          <p:nvPr/>
         </p:nvPicPr>
         <p:blipFill>
-          <a:blip r:embed="rId2"/>
+          <a:blip r:embed="rId2">
+            <a:extLst>
+              <a:ext uri="{28A0092B-C50C-407E-A947-70E740481C1C}">
+                <a14:useLocalDpi xmlns:a14="http://schemas.microsoft.com/office/drawing/2010/main" val="0"/>
+              </a:ext>
+            </a:extLst>
+          </a:blip>
+          <a:srcRect/>
           <a:stretch>
             <a:fillRect/>
           </a:stretch>
         </p:blipFill>
-        <p:spPr>
+        <p:spPr bwMode="auto">
           <a:xfrm>
-            <a:off x="838200" y="1556218"/>
-            <a:ext cx="10298638" cy="4435279"/>
+            <a:off x="838201" y="1626308"/>
+            <a:ext cx="10515599" cy="4204866"/>
           </a:xfrm>
+          <a:prstGeom prst="rect">
+            <a:avLst/>
+          </a:prstGeom>
+          <a:noFill/>
+          <a:extLst>
+            <a:ext uri="{909E8E84-426E-40DD-AFC4-6F175D3DCCD1}">
+              <a14:hiddenFill xmlns:a14="http://schemas.microsoft.com/office/drawing/2010/main">
+                <a:solidFill>
+                  <a:srgbClr val="FFFFFF"/>
+                </a:solidFill>
+              </a14:hiddenFill>
+            </a:ext>
+          </a:extLst>
         </p:spPr>
       </p:pic>
     </p:spTree>
@@ -4252,33 +4461,76 @@
           </a:p>
         </p:txBody>
       </p:sp>
+      <p:sp>
+        <p:nvSpPr>
+          <p:cNvPr id="4" name="Content Placeholder 3">
+            <a:extLst>
+              <a:ext uri="{FF2B5EF4-FFF2-40B4-BE49-F238E27FC236}">
+                <a16:creationId xmlns:a16="http://schemas.microsoft.com/office/drawing/2014/main" id="{F52E1977-DA0B-AE6E-5E64-D4812B2FD746}"/>
+              </a:ext>
+            </a:extLst>
+          </p:cNvPr>
+          <p:cNvSpPr>
+            <a:spLocks noGrp="1"/>
+          </p:cNvSpPr>
+          <p:nvPr>
+            <p:ph idx="1"/>
+          </p:nvPr>
+        </p:nvSpPr>
+        <p:spPr/>
+        <p:txBody>
+          <a:bodyPr/>
+          <a:lstStyle/>
+          <a:p>
+            <a:endParaRPr lang="en-GB"/>
+          </a:p>
+        </p:txBody>
+      </p:sp>
       <p:pic>
         <p:nvPicPr>
-          <p:cNvPr id="6" name="Content Placeholder 5">
-            <a:extLst>
-              <a:ext uri="{FF2B5EF4-FFF2-40B4-BE49-F238E27FC236}">
-                <a16:creationId xmlns:a16="http://schemas.microsoft.com/office/drawing/2014/main" id="{695ED3DC-3385-CAF2-65A7-DA29E2B66D4A}"/>
+          <p:cNvPr id="2050" name="Picture 2" descr="image">
+            <a:extLst>
+              <a:ext uri="{FF2B5EF4-FFF2-40B4-BE49-F238E27FC236}">
+                <a16:creationId xmlns:a16="http://schemas.microsoft.com/office/drawing/2014/main" id="{60F66FB8-B790-DBF8-264C-9EBFC415C616}"/>
               </a:ext>
             </a:extLst>
           </p:cNvPr>
           <p:cNvPicPr>
-            <a:picLocks noGrp="1" noChangeAspect="1"/>
+            <a:picLocks noChangeAspect="1" noChangeArrowheads="1"/>
           </p:cNvPicPr>
-          <p:nvPr>
-            <p:ph idx="1"/>
-          </p:nvPr>
+          <p:nvPr/>
         </p:nvPicPr>
         <p:blipFill>
-          <a:blip r:embed="rId2"/>
+          <a:blip r:embed="rId2">
+            <a:extLst>
+              <a:ext uri="{28A0092B-C50C-407E-A947-70E740481C1C}">
+                <a14:useLocalDpi xmlns:a14="http://schemas.microsoft.com/office/drawing/2010/main" val="0"/>
+              </a:ext>
+            </a:extLst>
+          </a:blip>
+          <a:srcRect/>
           <a:stretch>
             <a:fillRect/>
           </a:stretch>
         </p:blipFill>
-        <p:spPr>
+        <p:spPr bwMode="auto">
           <a:xfrm>
-            <a:off x="1919828" y="1384173"/>
-            <a:ext cx="6579737" cy="4921240"/>
+            <a:off x="719528" y="1469036"/>
+            <a:ext cx="10942820" cy="4584445"/>
           </a:xfrm>
+          <a:prstGeom prst="rect">
+            <a:avLst/>
+          </a:prstGeom>
+          <a:noFill/>
+          <a:extLst>
+            <a:ext uri="{909E8E84-426E-40DD-AFC4-6F175D3DCCD1}">
+              <a14:hiddenFill xmlns:a14="http://schemas.microsoft.com/office/drawing/2010/main">
+                <a:solidFill>
+                  <a:srgbClr val="FFFFFF"/>
+                </a:solidFill>
+              </a14:hiddenFill>
+            </a:ext>
+          </a:extLst>
         </p:spPr>
       </p:pic>
     </p:spTree>
@@ -4340,33 +4592,76 @@
           </a:p>
         </p:txBody>
       </p:sp>
+      <p:sp>
+        <p:nvSpPr>
+          <p:cNvPr id="4" name="Content Placeholder 3">
+            <a:extLst>
+              <a:ext uri="{FF2B5EF4-FFF2-40B4-BE49-F238E27FC236}">
+                <a16:creationId xmlns:a16="http://schemas.microsoft.com/office/drawing/2014/main" id="{E29274CD-E9DA-2D24-B82B-0F0F26B8CE14}"/>
+              </a:ext>
+            </a:extLst>
+          </p:cNvPr>
+          <p:cNvSpPr>
+            <a:spLocks noGrp="1"/>
+          </p:cNvSpPr>
+          <p:nvPr>
+            <p:ph idx="1"/>
+          </p:nvPr>
+        </p:nvSpPr>
+        <p:spPr/>
+        <p:txBody>
+          <a:bodyPr/>
+          <a:lstStyle/>
+          <a:p>
+            <a:endParaRPr lang="en-GB"/>
+          </a:p>
+        </p:txBody>
+      </p:sp>
       <p:pic>
         <p:nvPicPr>
-          <p:cNvPr id="5" name="Content Placeholder 4">
-            <a:extLst>
-              <a:ext uri="{FF2B5EF4-FFF2-40B4-BE49-F238E27FC236}">
-                <a16:creationId xmlns:a16="http://schemas.microsoft.com/office/drawing/2014/main" id="{066580D4-D89E-E3EE-DAE3-4DB012F82EED}"/>
+          <p:cNvPr id="3076" name="Picture 4" descr="image">
+            <a:extLst>
+              <a:ext uri="{FF2B5EF4-FFF2-40B4-BE49-F238E27FC236}">
+                <a16:creationId xmlns:a16="http://schemas.microsoft.com/office/drawing/2014/main" id="{AEFF3035-2374-ACEA-5F49-125C589163EE}"/>
               </a:ext>
             </a:extLst>
           </p:cNvPr>
           <p:cNvPicPr>
-            <a:picLocks noGrp="1" noChangeAspect="1"/>
+            <a:picLocks noChangeAspect="1" noChangeArrowheads="1"/>
           </p:cNvPicPr>
-          <p:nvPr>
-            <p:ph idx="1"/>
-          </p:nvPr>
+          <p:nvPr/>
         </p:nvPicPr>
         <p:blipFill>
-          <a:blip r:embed="rId2"/>
+          <a:blip r:embed="rId2">
+            <a:extLst>
+              <a:ext uri="{28A0092B-C50C-407E-A947-70E740481C1C}">
+                <a14:useLocalDpi xmlns:a14="http://schemas.microsoft.com/office/drawing/2010/main" val="0"/>
+              </a:ext>
+            </a:extLst>
+          </a:blip>
+          <a:srcRect/>
           <a:stretch>
             <a:fillRect/>
           </a:stretch>
         </p:blipFill>
-        <p:spPr>
+        <p:spPr bwMode="auto">
           <a:xfrm>
-            <a:off x="904710" y="1595294"/>
-            <a:ext cx="10039518" cy="4587792"/>
+            <a:off x="479685" y="1790171"/>
+            <a:ext cx="10874115" cy="4085973"/>
           </a:xfrm>
+          <a:prstGeom prst="rect">
+            <a:avLst/>
+          </a:prstGeom>
+          <a:noFill/>
+          <a:extLst>
+            <a:ext uri="{909E8E84-426E-40DD-AFC4-6F175D3DCCD1}">
+              <a14:hiddenFill xmlns:a14="http://schemas.microsoft.com/office/drawing/2010/main">
+                <a:solidFill>
+                  <a:srgbClr val="FFFFFF"/>
+                </a:solidFill>
+              </a14:hiddenFill>
+            </a:ext>
+          </a:extLst>
         </p:spPr>
       </p:pic>
     </p:spTree>
@@ -4421,7 +4716,7 @@
           <a:lstStyle/>
           <a:p>
             <a:r>
-              <a:rPr lang="en-US"/>
+              <a:rPr lang="en-US" dirty="0"/>
               <a:t>Performance Plots: Loss</a:t>
             </a:r>
             <a:endParaRPr lang="en-GB" dirty="0"/>
@@ -4430,61 +4725,143 @@
       </p:sp>
       <p:pic>
         <p:nvPicPr>
-          <p:cNvPr id="5" name="Content Placeholder 4">
-            <a:extLst>
-              <a:ext uri="{FF2B5EF4-FFF2-40B4-BE49-F238E27FC236}">
-                <a16:creationId xmlns:a16="http://schemas.microsoft.com/office/drawing/2014/main" id="{1C0C284A-960C-9529-E685-9BB7116C1A36}"/>
+          <p:cNvPr id="4102" name="Picture 6" descr="image">
+            <a:extLst>
+              <a:ext uri="{FF2B5EF4-FFF2-40B4-BE49-F238E27FC236}">
+                <a16:creationId xmlns:a16="http://schemas.microsoft.com/office/drawing/2014/main" id="{3FA55C2F-026C-AA6E-C77A-53C3369CE8DC}"/>
               </a:ext>
             </a:extLst>
           </p:cNvPr>
           <p:cNvPicPr>
-            <a:picLocks noGrp="1" noChangeAspect="1"/>
+            <a:picLocks noChangeAspect="1" noChangeArrowheads="1"/>
           </p:cNvPicPr>
-          <p:nvPr>
-            <p:ph idx="1"/>
-          </p:nvPr>
+          <p:nvPr/>
         </p:nvPicPr>
         <p:blipFill>
-          <a:blip r:embed="rId2"/>
+          <a:blip r:embed="rId2">
+            <a:extLst>
+              <a:ext uri="{28A0092B-C50C-407E-A947-70E740481C1C}">
+                <a14:useLocalDpi xmlns:a14="http://schemas.microsoft.com/office/drawing/2010/main" val="0"/>
+              </a:ext>
+            </a:extLst>
+          </a:blip>
+          <a:srcRect/>
           <a:stretch>
             <a:fillRect/>
           </a:stretch>
         </p:blipFill>
-        <p:spPr>
+        <p:spPr bwMode="auto">
           <a:xfrm>
-            <a:off x="770699" y="1551619"/>
-            <a:ext cx="5036475" cy="3754762"/>
+            <a:off x="578370" y="1484194"/>
+            <a:ext cx="5387715" cy="3252698"/>
           </a:xfrm>
+          <a:prstGeom prst="rect">
+            <a:avLst/>
+          </a:prstGeom>
+          <a:noFill/>
+          <a:extLst>
+            <a:ext uri="{909E8E84-426E-40DD-AFC4-6F175D3DCCD1}">
+              <a14:hiddenFill xmlns:a14="http://schemas.microsoft.com/office/drawing/2010/main">
+                <a:solidFill>
+                  <a:srgbClr val="FFFFFF"/>
+                </a:solidFill>
+              </a14:hiddenFill>
+            </a:ext>
+          </a:extLst>
         </p:spPr>
       </p:pic>
       <p:pic>
         <p:nvPicPr>
-          <p:cNvPr id="7" name="Picture 6">
-            <a:extLst>
-              <a:ext uri="{FF2B5EF4-FFF2-40B4-BE49-F238E27FC236}">
-                <a16:creationId xmlns:a16="http://schemas.microsoft.com/office/drawing/2014/main" id="{E9A53778-9D34-B342-84EB-08FA369A67F7}"/>
+          <p:cNvPr id="4104" name="Picture 8" descr="image">
+            <a:extLst>
+              <a:ext uri="{FF2B5EF4-FFF2-40B4-BE49-F238E27FC236}">
+                <a16:creationId xmlns:a16="http://schemas.microsoft.com/office/drawing/2014/main" id="{68892803-4639-AB36-77A0-D0FC1F011520}"/>
               </a:ext>
             </a:extLst>
           </p:cNvPr>
           <p:cNvPicPr>
-            <a:picLocks noChangeAspect="1"/>
+            <a:picLocks noChangeAspect="1" noChangeArrowheads="1"/>
           </p:cNvPicPr>
           <p:nvPr/>
         </p:nvPicPr>
         <p:blipFill>
-          <a:blip r:embed="rId3"/>
+          <a:blip r:embed="rId3">
+            <a:extLst>
+              <a:ext uri="{28A0092B-C50C-407E-A947-70E740481C1C}">
+                <a14:useLocalDpi xmlns:a14="http://schemas.microsoft.com/office/drawing/2010/main" val="0"/>
+              </a:ext>
+            </a:extLst>
+          </a:blip>
+          <a:srcRect/>
           <a:stretch>
             <a:fillRect/>
           </a:stretch>
         </p:blipFill>
-        <p:spPr>
+        <p:spPr bwMode="auto">
           <a:xfrm>
-            <a:off x="6096000" y="1690688"/>
-            <a:ext cx="4897494" cy="3821838"/>
+            <a:off x="6225915" y="1484195"/>
+            <a:ext cx="5242061" cy="3252698"/>
           </a:xfrm>
           <a:prstGeom prst="rect">
             <a:avLst/>
           </a:prstGeom>
+          <a:noFill/>
+          <a:extLst>
+            <a:ext uri="{909E8E84-426E-40DD-AFC4-6F175D3DCCD1}">
+              <a14:hiddenFill xmlns:a14="http://schemas.microsoft.com/office/drawing/2010/main">
+                <a:solidFill>
+                  <a:srgbClr val="FFFFFF"/>
+                </a:solidFill>
+              </a14:hiddenFill>
+            </a:ext>
+          </a:extLst>
+        </p:spPr>
+      </p:pic>
+      <p:pic>
+        <p:nvPicPr>
+          <p:cNvPr id="4106" name="Picture 10" descr="image">
+            <a:extLst>
+              <a:ext uri="{FF2B5EF4-FFF2-40B4-BE49-F238E27FC236}">
+                <a16:creationId xmlns:a16="http://schemas.microsoft.com/office/drawing/2014/main" id="{8E0C5BC7-C0B1-F27E-5987-C36E15407960}"/>
+              </a:ext>
+            </a:extLst>
+          </p:cNvPr>
+          <p:cNvPicPr>
+            <a:picLocks noChangeAspect="1" noChangeArrowheads="1"/>
+          </p:cNvPicPr>
+          <p:nvPr/>
+        </p:nvPicPr>
+        <p:blipFill>
+          <a:blip r:embed="rId4">
+            <a:extLst>
+              <a:ext uri="{28A0092B-C50C-407E-A947-70E740481C1C}">
+                <a14:useLocalDpi xmlns:a14="http://schemas.microsoft.com/office/drawing/2010/main" val="0"/>
+              </a:ext>
+            </a:extLst>
+          </a:blip>
+          <a:srcRect/>
+          <a:stretch>
+            <a:fillRect/>
+          </a:stretch>
+        </p:blipFill>
+        <p:spPr bwMode="auto">
+          <a:xfrm>
+            <a:off x="724024" y="4590973"/>
+            <a:ext cx="10515600" cy="2143125"/>
+          </a:xfrm>
+          <a:prstGeom prst="rect">
+            <a:avLst/>
+          </a:prstGeom>
+          <a:noFill/>
+          <a:extLst>
+            <a:ext uri="{909E8E84-426E-40DD-AFC4-6F175D3DCCD1}">
+              <a14:hiddenFill xmlns:a14="http://schemas.microsoft.com/office/drawing/2010/main">
+                <a:solidFill>
+                  <a:srgbClr val="FFFFFF"/>
+                </a:solidFill>
+              </a14:hiddenFill>
+            </a:ext>
+          </a:extLst>
         </p:spPr>
       </p:pic>
     </p:spTree>
